--- a/spreadsheet_challenge/excel_question3.pptx
+++ b/spreadsheet_challenge/excel_question3.pptx
@@ -7156,7 +7156,7 @@
             </a:pPr>
             <a:r>
               <a:rPr lang="en-US" sz="2000" b="1" i="1" dirty="0"/>
-              <a:t>A: Hedge our bets</a:t>
+              <a:t>A: Hedge Bets</a:t>
             </a:r>
             <a:r>
               <a:rPr lang="en-US" sz="2000" b="1" dirty="0"/>
@@ -7173,7 +7173,11 @@
             </a:pPr>
             <a:r>
               <a:rPr lang="en-US" sz="1600" dirty="0"/>
-              <a:t>Diversify sales prospects geographically, focus on growth outside of the Eastern region</a:t>
+              <a:t>Diversify sales prospects geographically, focus on growth </a:t>
+            </a:r>
+            <a:r>
+              <a:rPr lang="en-US" sz="1600" b="1" dirty="0"/>
+              <a:t>outside of the Eastern region</a:t>
             </a:r>
           </a:p>
           <a:p>
@@ -7194,11 +7198,9 @@
               <a:lnSpc>
                 <a:spcPct val="100000"/>
               </a:lnSpc>
-              <a:buFont typeface="+mj-lt"/>
-              <a:buAutoNum type="arabicPeriod"/>
             </a:pPr>
             <a:r>
-              <a:rPr lang="en-US" sz="1200" dirty="0"/>
+              <a:rPr lang="en-US" sz="1400" dirty="0"/>
               <a:t>Opportunity for low risk renewals is consistent in the Midwest throughout the year, we must retain these policies through the year. </a:t>
             </a:r>
           </a:p>
